--- a/Documents/presentation.pptx
+++ b/Documents/presentation.pptx
@@ -4357,6 +4357,13 @@
       </p:transition>
     </mc:Fallback>
   </mc:AlternateContent>
+  <p:timing>
+    <p:tnLst>
+      <p:par>
+        <p:cTn id="1" dur="indefinite" restart="never" nodeType="tmRoot"/>
+      </p:par>
+    </p:tnLst>
+  </p:timing>
 </p:sld>
 </file>
 
@@ -4506,6 +4513,13 @@
       </p:transition>
     </mc:Fallback>
   </mc:AlternateContent>
+  <p:timing>
+    <p:tnLst>
+      <p:par>
+        <p:cTn id="1" dur="indefinite" restart="never" nodeType="tmRoot"/>
+      </p:par>
+    </p:tnLst>
+  </p:timing>
 </p:sld>
 </file>
 
@@ -4600,7 +4614,7 @@
       </p:sp>
       <p:pic>
         <p:nvPicPr>
-          <p:cNvPr id="4" name="Image 3"/>
+          <p:cNvPr id="5" name="Image 4"/>
           <p:cNvPicPr>
             <a:picLocks noChangeAspect="1"/>
           </p:cNvPicPr>
@@ -4620,8 +4634,8 @@
         </p:blipFill>
         <p:spPr>
           <a:xfrm>
-            <a:off x="4078188" y="1904999"/>
-            <a:ext cx="3243066" cy="2539607"/>
+            <a:off x="4222204" y="1904999"/>
+            <a:ext cx="2448272" cy="1917213"/>
           </a:xfrm>
           <a:prstGeom prst="rect">
             <a:avLst/>
@@ -4630,7 +4644,7 @@
       </p:pic>
       <p:pic>
         <p:nvPicPr>
-          <p:cNvPr id="5" name="Image 4"/>
+          <p:cNvPr id="6" name="Image 5"/>
           <p:cNvPicPr>
             <a:picLocks noChangeAspect="1"/>
           </p:cNvPicPr>
@@ -4650,8 +4664,8 @@
         </p:blipFill>
         <p:spPr>
           <a:xfrm>
-            <a:off x="6382444" y="3552202"/>
-            <a:ext cx="3151111" cy="2467598"/>
+            <a:off x="5662364" y="3068960"/>
+            <a:ext cx="2880320" cy="2255545"/>
           </a:xfrm>
           <a:prstGeom prst="rect">
             <a:avLst/>
@@ -4680,6 +4694,13 @@
       </p:transition>
     </mc:Fallback>
   </mc:AlternateContent>
+  <p:timing>
+    <p:tnLst>
+      <p:par>
+        <p:cTn id="1" dur="indefinite" restart="never" nodeType="tmRoot"/>
+      </p:par>
+    </p:tnLst>
+  </p:timing>
 </p:sld>
 </file>
 
@@ -4824,6 +4845,13 @@
       </p:transition>
     </mc:Fallback>
   </mc:AlternateContent>
+  <p:timing>
+    <p:tnLst>
+      <p:par>
+        <p:cTn id="1" dur="indefinite" restart="never" nodeType="tmRoot"/>
+      </p:par>
+    </p:tnLst>
+  </p:timing>
 </p:sld>
 </file>
 
@@ -4940,6 +4968,13 @@
       </p:transition>
     </mc:Fallback>
   </mc:AlternateContent>
+  <p:timing>
+    <p:tnLst>
+      <p:par>
+        <p:cTn id="1" dur="indefinite" restart="never" nodeType="tmRoot"/>
+      </p:par>
+    </p:tnLst>
+  </p:timing>
 </p:sld>
 </file>
 
@@ -5040,6 +5075,13 @@
       </p:transition>
     </mc:Fallback>
   </mc:AlternateContent>
+  <p:timing>
+    <p:tnLst>
+      <p:par>
+        <p:cTn id="1" dur="indefinite" restart="never" nodeType="tmRoot"/>
+      </p:par>
+    </p:tnLst>
+  </p:timing>
 </p:sld>
 </file>
 
